--- a/Presentation/EvanTrevathanCapstonePresentation.odp.pptx
+++ b/Presentation/EvanTrevathanCapstonePresentation.odp.pptx
@@ -17939,13 +17939,12 @@
           <p:cNvPicPr preferRelativeResize="0"/>
           <p:nvPr/>
         </p:nvPicPr>
-        <p:blipFill>
+        <p:blipFill rotWithShape="1">
           <a:blip r:embed="rId3">
             <a:alphaModFix/>
           </a:blip>
-          <a:stretch>
-            <a:fillRect/>
-          </a:stretch>
+          <a:srcRect b="9" l="0" r="0" t="9"/>
+          <a:stretch/>
         </p:blipFill>
         <p:spPr>
           <a:xfrm>
@@ -18396,13 +18395,12 @@
           <p:cNvPicPr preferRelativeResize="0"/>
           <p:nvPr/>
         </p:nvPicPr>
-        <p:blipFill>
+        <p:blipFill rotWithShape="1">
           <a:blip r:embed="rId3">
             <a:alphaModFix/>
           </a:blip>
-          <a:stretch>
-            <a:fillRect/>
-          </a:stretch>
+          <a:srcRect b="69" l="0" r="0" t="79"/>
+          <a:stretch/>
         </p:blipFill>
         <p:spPr>
           <a:xfrm>
@@ -19106,13 +19104,12 @@
           <p:cNvPicPr preferRelativeResize="0"/>
           <p:nvPr/>
         </p:nvPicPr>
-        <p:blipFill>
+        <p:blipFill rotWithShape="1">
           <a:blip r:embed="rId3">
             <a:alphaModFix/>
           </a:blip>
-          <a:stretch>
-            <a:fillRect/>
-          </a:stretch>
+          <a:srcRect b="69" l="0" r="0" t="69"/>
+          <a:stretch/>
         </p:blipFill>
         <p:spPr>
           <a:xfrm>
@@ -19567,7 +19564,7 @@
                 <a:cs typeface="Arial Narrow"/>
                 <a:sym typeface="Arial Narrow"/>
               </a:rPr>
-              <a:t>Counted number of events by type by day by </a:t>
+              <a:t>Counted number of events by</a:t>
             </a:r>
             <a:r>
               <a:rPr lang="en-US" sz="1800">
@@ -19576,7 +19573,49 @@
                 <a:cs typeface="Arial Narrow"/>
                 <a:sym typeface="Arial Narrow"/>
               </a:rPr>
-              <a:t>BU</a:t>
+              <a:t>: </a:t>
+            </a:r>
+            <a:r>
+              <a:rPr b="0" i="0" lang="en-US" sz="1800" u="none" cap="none" strike="noStrike">
+                <a:solidFill>
+                  <a:srgbClr val="000000"/>
+                </a:solidFill>
+                <a:latin typeface="Arial Narrow"/>
+                <a:ea typeface="Arial Narrow"/>
+                <a:cs typeface="Arial Narrow"/>
+                <a:sym typeface="Arial Narrow"/>
+              </a:rPr>
+              <a:t>type</a:t>
+            </a:r>
+            <a:r>
+              <a:rPr lang="en-US" sz="1800">
+                <a:latin typeface="Arial Narrow"/>
+                <a:ea typeface="Arial Narrow"/>
+                <a:cs typeface="Arial Narrow"/>
+                <a:sym typeface="Arial Narrow"/>
+              </a:rPr>
+              <a:t>, </a:t>
+            </a:r>
+            <a:r>
+              <a:rPr b="0" i="0" lang="en-US" sz="1800" u="none" cap="none" strike="noStrike">
+                <a:solidFill>
+                  <a:srgbClr val="000000"/>
+                </a:solidFill>
+                <a:latin typeface="Arial Narrow"/>
+                <a:ea typeface="Arial Narrow"/>
+                <a:cs typeface="Arial Narrow"/>
+                <a:sym typeface="Arial Narrow"/>
+              </a:rPr>
+              <a:t>day</a:t>
+            </a:r>
+            <a:r>
+              <a:rPr lang="en-US" sz="1800">
+                <a:latin typeface="Arial Narrow"/>
+                <a:ea typeface="Arial Narrow"/>
+                <a:cs typeface="Arial Narrow"/>
+                <a:sym typeface="Arial Narrow"/>
+              </a:rPr>
+              <a:t>, BU</a:t>
             </a:r>
             <a:endParaRPr b="0" i="0" sz="1800" u="none" cap="none" strike="noStrike">
               <a:solidFill>
@@ -21243,13 +21282,12 @@
           <p:cNvPicPr preferRelativeResize="0"/>
           <p:nvPr/>
         </p:nvPicPr>
-        <p:blipFill>
+        <p:blipFill rotWithShape="1">
           <a:blip r:embed="rId3">
             <a:alphaModFix/>
           </a:blip>
-          <a:stretch>
-            <a:fillRect/>
-          </a:stretch>
+          <a:srcRect b="0" l="9" r="19" t="0"/>
+          <a:stretch/>
         </p:blipFill>
         <p:spPr>
           <a:xfrm>
